--- a/Apresentacao_Angular_Highcharts.pptx
+++ b/Apresentacao_Angular_Highcharts.pptx
@@ -5152,13 +5152,17 @@
                 <a:spcPct val="150000"/>
               </a:lnSpc>
               <a:buSzPts val="1800"/>
+              <a:buFont typeface="Roboto"/>
               <a:buChar char="●"/>
             </a:pPr>
             <a:r>
-              <a:rPr lang="pt-BR" dirty="0">
+              <a:rPr lang="pt-BR" b="0" dirty="0">
                 <a:solidFill>
                   <a:srgbClr val="D73628"/>
                 </a:solidFill>
+                <a:effectLst/>
+                <a:latin typeface="Roboto" panose="02000000000000000000" pitchFamily="2" charset="0"/>
+                <a:ea typeface="Roboto" panose="02000000000000000000" pitchFamily="2" charset="0"/>
                 <a:hlinkClick r:id="rId3">
                   <a:extLst>
                     <a:ext uri="{A12FA001-AC4F-418D-AE19-62706E023703}">
@@ -5167,12 +5171,15 @@
                   </a:extLst>
                 </a:hlinkClick>
               </a:rPr>
-              <a:t>https://github.com/rocketseat-experts-club/angular-google-maps-2021-10-16/tree/template</a:t>
-            </a:r>
-            <a:endParaRPr lang="pt-BR" dirty="0">
+              <a:t>https://github.com/rocketseat-experts-club/angular-highcharts-2021-11-30/tree/template</a:t>
+            </a:r>
+            <a:endParaRPr lang="pt-BR" b="0" dirty="0">
               <a:solidFill>
                 <a:srgbClr val="D73628"/>
               </a:solidFill>
+              <a:effectLst/>
+              <a:latin typeface="Roboto" panose="02000000000000000000" pitchFamily="2" charset="0"/>
+              <a:ea typeface="Roboto" panose="02000000000000000000" pitchFamily="2" charset="0"/>
             </a:endParaRPr>
           </a:p>
           <a:p>
@@ -5187,7 +5194,7 @@
                   <a:schemeClr val="bg1"/>
                 </a:solidFill>
               </a:rPr>
-              <a:t>Com o projeto clonado em sua máquina, é necessário instalar as dependências utilizadas em aula, sendo elas:</a:t>
+              <a:t>Para o desenvolvimento do projeto, foram utilizadas as seguintes dependências:</a:t>
             </a:r>
           </a:p>
           <a:p>
